--- a/optical/report.pptx
+++ b/optical/report.pptx
@@ -121,7 +121,7 @@
 <file path=ppt/revisionInfo.xml><?xml version="1.0" encoding="utf-8"?>
 <p1510:revInfo xmlns:a="http://schemas.openxmlformats.org/drawingml/2006/main" xmlns:r="http://schemas.openxmlformats.org/officeDocument/2006/relationships" xmlns:p1510="http://schemas.microsoft.com/office/powerpoint/2015/10/main">
   <p1510:revLst>
-    <p1510:client id="{75016F44-512C-5341-99A4-0515FCFC0FB3}" v="446" dt="2019-10-26T07:07:46.088"/>
+    <p1510:client id="{75016F44-512C-5341-99A4-0515FCFC0FB3}" v="592" dt="2019-10-26T08:14:53.640"/>
   </p1510:revLst>
 </p1510:revInfo>
 </file>
@@ -195,7 +195,7 @@
   <pc:docChgLst>
     <pc:chgData name="Akash Levy" userId="0f662538-7453-45f3-952a-fc9f1a7c515e" providerId="ADAL" clId="{75016F44-512C-5341-99A4-0515FCFC0FB3}"/>
     <pc:docChg chg="undo custSel mod addSld delSld modSld">
-      <pc:chgData name="Akash Levy" userId="0f662538-7453-45f3-952a-fc9f1a7c515e" providerId="ADAL" clId="{75016F44-512C-5341-99A4-0515FCFC0FB3}" dt="2019-10-26T07:07:58.533" v="877" actId="478"/>
+      <pc:chgData name="Akash Levy" userId="0f662538-7453-45f3-952a-fc9f1a7c515e" providerId="ADAL" clId="{75016F44-512C-5341-99A4-0515FCFC0FB3}" dt="2019-10-26T08:14:53.640" v="1210" actId="931"/>
       <pc:docMkLst>
         <pc:docMk/>
       </pc:docMkLst>
@@ -238,7 +238,7 @@
         </pc:sldMkLst>
       </pc:sldChg>
       <pc:sldChg chg="addSp delSp modSp delDesignElem">
-        <pc:chgData name="Akash Levy" userId="0f662538-7453-45f3-952a-fc9f1a7c515e" providerId="ADAL" clId="{75016F44-512C-5341-99A4-0515FCFC0FB3}" dt="2019-10-26T07:07:51.132" v="874" actId="478"/>
+        <pc:chgData name="Akash Levy" userId="0f662538-7453-45f3-952a-fc9f1a7c515e" providerId="ADAL" clId="{75016F44-512C-5341-99A4-0515FCFC0FB3}" dt="2019-10-26T08:06:21.965" v="1124" actId="20577"/>
         <pc:sldMkLst>
           <pc:docMk/>
           <pc:sldMk cId="735790947" sldId="258"/>
@@ -252,15 +252,15 @@
           </ac:spMkLst>
         </pc:spChg>
         <pc:spChg chg="mod">
-          <ac:chgData name="Akash Levy" userId="0f662538-7453-45f3-952a-fc9f1a7c515e" providerId="ADAL" clId="{75016F44-512C-5341-99A4-0515FCFC0FB3}" dt="2019-10-26T06:47:04.315" v="831" actId="20577"/>
+          <ac:chgData name="Akash Levy" userId="0f662538-7453-45f3-952a-fc9f1a7c515e" providerId="ADAL" clId="{75016F44-512C-5341-99A4-0515FCFC0FB3}" dt="2019-10-26T08:06:21.965" v="1124" actId="20577"/>
           <ac:spMkLst>
             <pc:docMk/>
             <pc:sldMk cId="735790947" sldId="258"/>
             <ac:spMk id="4" creationId="{5D52133E-5C50-D348-8EBE-B2EEAF3D3B79}"/>
           </ac:spMkLst>
         </pc:spChg>
-        <pc:spChg chg="add mod">
-          <ac:chgData name="Akash Levy" userId="0f662538-7453-45f3-952a-fc9f1a7c515e" providerId="ADAL" clId="{75016F44-512C-5341-99A4-0515FCFC0FB3}" dt="2019-10-26T07:07:51.132" v="874" actId="478"/>
+        <pc:spChg chg="add del mod">
+          <ac:chgData name="Akash Levy" userId="0f662538-7453-45f3-952a-fc9f1a7c515e" providerId="ADAL" clId="{75016F44-512C-5341-99A4-0515FCFC0FB3}" dt="2019-10-26T08:02:58.946" v="1065" actId="931"/>
           <ac:spMkLst>
             <pc:docMk/>
             <pc:sldMk cId="735790947" sldId="258"/>
@@ -289,6 +289,14 @@
             <pc:docMk/>
             <pc:sldMk cId="735790947" sldId="258"/>
             <ac:picMk id="7" creationId="{C6E5C1BF-54AF-DB49-BDE5-63EB3AE9BA94}"/>
+          </ac:picMkLst>
+        </pc:picChg>
+        <pc:picChg chg="add mod">
+          <ac:chgData name="Akash Levy" userId="0f662538-7453-45f3-952a-fc9f1a7c515e" providerId="ADAL" clId="{75016F44-512C-5341-99A4-0515FCFC0FB3}" dt="2019-10-26T08:02:58.946" v="1065" actId="931"/>
+          <ac:picMkLst>
+            <pc:docMk/>
+            <pc:sldMk cId="735790947" sldId="258"/>
+            <ac:picMk id="8" creationId="{10A2B782-7309-BC44-9ECB-2F20E63C15F2}"/>
           </ac:picMkLst>
         </pc:picChg>
         <pc:picChg chg="del">
@@ -375,7 +383,7 @@
         </pc:spChg>
       </pc:sldChg>
       <pc:sldChg chg="addSp delSp modSp add mod setBg setClrOvrMap delDesignElem">
-        <pc:chgData name="Akash Levy" userId="0f662538-7453-45f3-952a-fc9f1a7c515e" providerId="ADAL" clId="{75016F44-512C-5341-99A4-0515FCFC0FB3}" dt="2019-10-26T06:49:05.978" v="864"/>
+        <pc:chgData name="Akash Levy" userId="0f662538-7453-45f3-952a-fc9f1a7c515e" providerId="ADAL" clId="{75016F44-512C-5341-99A4-0515FCFC0FB3}" dt="2019-10-26T07:46:48.557" v="1064" actId="20577"/>
         <pc:sldMkLst>
           <pc:docMk/>
           <pc:sldMk cId="1023224936" sldId="265"/>
@@ -389,7 +397,7 @@
           </ac:spMkLst>
         </pc:spChg>
         <pc:spChg chg="add mod">
-          <ac:chgData name="Akash Levy" userId="0f662538-7453-45f3-952a-fc9f1a7c515e" providerId="ADAL" clId="{75016F44-512C-5341-99A4-0515FCFC0FB3}" dt="2019-10-26T06:48:10.357" v="850" actId="20577"/>
+          <ac:chgData name="Akash Levy" userId="0f662538-7453-45f3-952a-fc9f1a7c515e" providerId="ADAL" clId="{75016F44-512C-5341-99A4-0515FCFC0FB3}" dt="2019-10-26T07:16:31.876" v="1009" actId="403"/>
           <ac:spMkLst>
             <pc:docMk/>
             <pc:sldMk cId="1023224936" sldId="265"/>
@@ -405,7 +413,7 @@
           </ac:spMkLst>
         </pc:spChg>
         <pc:spChg chg="add mod">
-          <ac:chgData name="Akash Levy" userId="0f662538-7453-45f3-952a-fc9f1a7c515e" providerId="ADAL" clId="{75016F44-512C-5341-99A4-0515FCFC0FB3}" dt="2019-10-26T06:16:46.461" v="754" actId="26606"/>
+          <ac:chgData name="Akash Levy" userId="0f662538-7453-45f3-952a-fc9f1a7c515e" providerId="ADAL" clId="{75016F44-512C-5341-99A4-0515FCFC0FB3}" dt="2019-10-26T07:46:48.557" v="1064" actId="20577"/>
           <ac:spMkLst>
             <pc:docMk/>
             <pc:sldMk cId="1023224936" sldId="265"/>
@@ -413,7 +421,7 @@
           </ac:spMkLst>
         </pc:spChg>
         <pc:spChg chg="add del mod">
-          <ac:chgData name="Akash Levy" userId="0f662538-7453-45f3-952a-fc9f1a7c515e" providerId="ADAL" clId="{75016F44-512C-5341-99A4-0515FCFC0FB3}" dt="2019-10-26T06:49:05.978" v="864"/>
+          <ac:chgData name="Akash Levy" userId="0f662538-7453-45f3-952a-fc9f1a7c515e" providerId="ADAL" clId="{75016F44-512C-5341-99A4-0515FCFC0FB3}" dt="2019-10-26T07:17:29.711" v="1018" actId="20577"/>
           <ac:spMkLst>
             <pc:docMk/>
             <pc:sldMk cId="1023224936" sldId="265"/>
@@ -491,12 +499,20 @@
           </ac:spMkLst>
         </pc:spChg>
       </pc:sldChg>
-      <pc:sldChg chg="add">
-        <pc:chgData name="Akash Levy" userId="0f662538-7453-45f3-952a-fc9f1a7c515e" providerId="ADAL" clId="{75016F44-512C-5341-99A4-0515FCFC0FB3}" dt="2019-10-26T07:07:44.088" v="868"/>
+      <pc:sldChg chg="modSp add">
+        <pc:chgData name="Akash Levy" userId="0f662538-7453-45f3-952a-fc9f1a7c515e" providerId="ADAL" clId="{75016F44-512C-5341-99A4-0515FCFC0FB3}" dt="2019-10-26T08:12:42.706" v="1166" actId="20577"/>
         <pc:sldMkLst>
           <pc:docMk/>
           <pc:sldMk cId="2823028506" sldId="266"/>
         </pc:sldMkLst>
+        <pc:spChg chg="mod">
+          <ac:chgData name="Akash Levy" userId="0f662538-7453-45f3-952a-fc9f1a7c515e" providerId="ADAL" clId="{75016F44-512C-5341-99A4-0515FCFC0FB3}" dt="2019-10-26T08:12:42.706" v="1166" actId="20577"/>
+          <ac:spMkLst>
+            <pc:docMk/>
+            <pc:sldMk cId="2823028506" sldId="266"/>
+            <ac:spMk id="4" creationId="{5D52133E-5C50-D348-8EBE-B2EEAF3D3B79}"/>
+          </ac:spMkLst>
+        </pc:spChg>
       </pc:sldChg>
       <pc:sldChg chg="delSp add del setBg delDesignElem">
         <pc:chgData name="Akash Levy" userId="0f662538-7453-45f3-952a-fc9f1a7c515e" providerId="ADAL" clId="{75016F44-512C-5341-99A4-0515FCFC0FB3}" dt="2019-10-26T04:31:51.215" v="512" actId="2696"/>
@@ -514,7 +530,7 @@
         </pc:spChg>
       </pc:sldChg>
       <pc:sldChg chg="addSp delSp modSp add">
-        <pc:chgData name="Akash Levy" userId="0f662538-7453-45f3-952a-fc9f1a7c515e" providerId="ADAL" clId="{75016F44-512C-5341-99A4-0515FCFC0FB3}" dt="2019-10-26T07:07:58.533" v="877" actId="478"/>
+        <pc:chgData name="Akash Levy" userId="0f662538-7453-45f3-952a-fc9f1a7c515e" providerId="ADAL" clId="{75016F44-512C-5341-99A4-0515FCFC0FB3}" dt="2019-10-26T08:14:53.640" v="1210" actId="931"/>
         <pc:sldMkLst>
           <pc:docMk/>
           <pc:sldMk cId="3428824198" sldId="267"/>
@@ -527,8 +543,16 @@
             <ac:spMk id="2" creationId="{55329EC8-933E-624B-B08D-8BFE6BE35105}"/>
           </ac:spMkLst>
         </pc:spChg>
-        <pc:spChg chg="add mod">
-          <ac:chgData name="Akash Levy" userId="0f662538-7453-45f3-952a-fc9f1a7c515e" providerId="ADAL" clId="{75016F44-512C-5341-99A4-0515FCFC0FB3}" dt="2019-10-26T07:07:58.533" v="877" actId="478"/>
+        <pc:spChg chg="mod">
+          <ac:chgData name="Akash Levy" userId="0f662538-7453-45f3-952a-fc9f1a7c515e" providerId="ADAL" clId="{75016F44-512C-5341-99A4-0515FCFC0FB3}" dt="2019-10-26T08:13:49.220" v="1209" actId="20577"/>
+          <ac:spMkLst>
+            <pc:docMk/>
+            <pc:sldMk cId="3428824198" sldId="267"/>
+            <ac:spMk id="4" creationId="{5D52133E-5C50-D348-8EBE-B2EEAF3D3B79}"/>
+          </ac:spMkLst>
+        </pc:spChg>
+        <pc:spChg chg="add del mod">
+          <ac:chgData name="Akash Levy" userId="0f662538-7453-45f3-952a-fc9f1a7c515e" providerId="ADAL" clId="{75016F44-512C-5341-99A4-0515FCFC0FB3}" dt="2019-10-26T08:14:53.640" v="1210" actId="931"/>
           <ac:spMkLst>
             <pc:docMk/>
             <pc:sldMk cId="3428824198" sldId="267"/>
@@ -541,6 +565,14 @@
             <pc:docMk/>
             <pc:sldMk cId="3428824198" sldId="267"/>
             <ac:picMk id="7" creationId="{C6E5C1BF-54AF-DB49-BDE5-63EB3AE9BA94}"/>
+          </ac:picMkLst>
+        </pc:picChg>
+        <pc:picChg chg="add mod">
+          <ac:chgData name="Akash Levy" userId="0f662538-7453-45f3-952a-fc9f1a7c515e" providerId="ADAL" clId="{75016F44-512C-5341-99A4-0515FCFC0FB3}" dt="2019-10-26T08:14:53.640" v="1210" actId="931"/>
+          <ac:picMkLst>
+            <pc:docMk/>
+            <pc:sldMk cId="3428824198" sldId="267"/>
+            <ac:picMk id="8" creationId="{F0244056-6F4A-004E-B621-98EC62D2D3A0}"/>
           </ac:picMkLst>
         </pc:picChg>
       </pc:sldChg>
@@ -4548,12 +4580,12 @@
           <a:p>
             <a:pPr algn="ctr"/>
             <a:r>
-              <a:rPr lang="en-US" sz="3600">
+              <a:rPr lang="en-US" sz="3600" dirty="0">
                 <a:solidFill>
                   <a:srgbClr val="3F3F3F"/>
                 </a:solidFill>
               </a:rPr>
-              <a:t>Parameter Determination</a:t>
+              <a:t>Proof Masses</a:t>
             </a:r>
           </a:p>
         </p:txBody>
@@ -4584,13 +4616,13 @@
             </p:spPr>
             <p:txBody>
               <a:bodyPr numCol="1" anchor="t">
-                <a:normAutofit/>
+                <a:normAutofit fontScale="92500" lnSpcReduction="10000"/>
               </a:bodyPr>
               <a:lstStyle/>
               <a:p>
                 <a:pPr marL="0"/>
                 <a:r>
-                  <a:rPr lang="en-US" sz="2000" b="1" dirty="0"/>
+                  <a:rPr lang="en-US" sz="2100" b="1" dirty="0"/>
                   <a:t>Parameters</a:t>
                 </a:r>
               </a:p>
@@ -4601,7 +4633,7 @@
                     <m:sSub>
                       <m:sSubPr>
                         <m:ctrlPr>
-                          <a:rPr lang="en-US" sz="2000" i="1">
+                          <a:rPr lang="en-US" sz="2100" i="1">
                             <a:latin typeface="Cambria Math" panose="02040503050406030204" pitchFamily="18" charset="0"/>
                             <a:ea typeface="Cambria Math" panose="02040503050406030204" pitchFamily="18" charset="0"/>
                           </a:rPr>
@@ -4609,7 +4641,7 @@
                       </m:sSubPr>
                       <m:e>
                         <m:r>
-                          <a:rPr lang="en-US" sz="2000" i="1">
+                          <a:rPr lang="en-US" sz="2100" i="1">
                             <a:latin typeface="Cambria Math" panose="02040503050406030204" pitchFamily="18" charset="0"/>
                             <a:ea typeface="Cambria Math" panose="02040503050406030204" pitchFamily="18" charset="0"/>
                           </a:rPr>
@@ -4618,7 +4650,7 @@
                       </m:e>
                       <m:sub>
                         <m:r>
-                          <a:rPr lang="en-US" sz="2000" i="1">
+                          <a:rPr lang="en-US" sz="2100" i="1">
                             <a:latin typeface="Cambria Math" panose="02040503050406030204" pitchFamily="18" charset="0"/>
                             <a:ea typeface="Cambria Math" panose="02040503050406030204" pitchFamily="18" charset="0"/>
                           </a:rPr>
@@ -4627,7 +4659,7 @@
                       </m:sub>
                     </m:sSub>
                     <m:r>
-                      <a:rPr lang="en-US" sz="2000" i="1">
+                      <a:rPr lang="en-US" sz="2100" i="1">
                         <a:latin typeface="Cambria Math" panose="02040503050406030204" pitchFamily="18" charset="0"/>
                         <a:ea typeface="Cambria Math" panose="02040503050406030204" pitchFamily="18" charset="0"/>
                       </a:rPr>
@@ -4636,7 +4668,7 @@
                     <m:f>
                       <m:fPr>
                         <m:ctrlPr>
-                          <a:rPr lang="en-US" sz="2000">
+                          <a:rPr lang="en-US" sz="2100">
                             <a:latin typeface="Cambria Math" panose="02040503050406030204" pitchFamily="18" charset="0"/>
                           </a:rPr>
                         </m:ctrlPr>
@@ -4646,7 +4678,7 @@
                           <m:rPr>
                             <m:sty m:val="p"/>
                           </m:rPr>
-                          <a:rPr lang="en-US" sz="2000">
+                          <a:rPr lang="en-US" sz="2100">
                             <a:latin typeface="Cambria Math" panose="02040503050406030204" pitchFamily="18" charset="0"/>
                           </a:rPr>
                           <m:t>kg</m:t>
@@ -4656,7 +4688,7 @@
                         <m:sSup>
                           <m:sSupPr>
                             <m:ctrlPr>
-                              <a:rPr lang="en-US" sz="2000" i="1">
+                              <a:rPr lang="en-US" sz="2100" i="1">
                                 <a:latin typeface="Cambria Math" panose="02040503050406030204" pitchFamily="18" charset="0"/>
                               </a:rPr>
                             </m:ctrlPr>
@@ -4666,7 +4698,7 @@
                               <m:rPr>
                                 <m:sty m:val="p"/>
                               </m:rPr>
-                              <a:rPr lang="en-US" sz="2000">
+                              <a:rPr lang="en-US" sz="2100">
                                 <a:latin typeface="Cambria Math" panose="02040503050406030204" pitchFamily="18" charset="0"/>
                               </a:rPr>
                               <m:t>m</m:t>
@@ -4674,7 +4706,7 @@
                           </m:e>
                           <m:sup>
                             <m:r>
-                              <a:rPr lang="en-US" sz="2000" i="1">
+                              <a:rPr lang="en-US" sz="2100" i="1">
                                 <a:latin typeface="Cambria Math" panose="02040503050406030204" pitchFamily="18" charset="0"/>
                               </a:rPr>
                               <m:t>3</m:t>
@@ -4686,7 +4718,7 @@
                   </m:oMath>
                 </a14:m>
                 <a:r>
-                  <a:rPr lang="en-US" sz="2000" dirty="0"/>
+                  <a:rPr lang="en-US" sz="2100" dirty="0"/>
                   <a:t>, </a:t>
                 </a:r>
                 <a14:m>
@@ -4694,7 +4726,7 @@
                     <m:sSub>
                       <m:sSubPr>
                         <m:ctrlPr>
-                          <a:rPr lang="en-US" sz="2000" i="1">
+                          <a:rPr lang="en-US" sz="2100" i="1">
                             <a:latin typeface="Cambria Math" panose="02040503050406030204" pitchFamily="18" charset="0"/>
                             <a:ea typeface="Cambria Math" panose="02040503050406030204" pitchFamily="18" charset="0"/>
                           </a:rPr>
@@ -4702,7 +4734,7 @@
                       </m:sSubPr>
                       <m:e>
                         <m:r>
-                          <a:rPr lang="en-US" sz="2000" i="1">
+                          <a:rPr lang="en-US" sz="2100" i="1">
                             <a:latin typeface="Cambria Math" panose="02040503050406030204" pitchFamily="18" charset="0"/>
                             <a:ea typeface="Cambria Math" panose="02040503050406030204" pitchFamily="18" charset="0"/>
                           </a:rPr>
@@ -4711,7 +4743,7 @@
                       </m:e>
                       <m:sub>
                         <m:r>
-                          <a:rPr lang="en-US" sz="2000" i="1">
+                          <a:rPr lang="en-US" sz="2100" i="1">
                             <a:latin typeface="Cambria Math" panose="02040503050406030204" pitchFamily="18" charset="0"/>
                             <a:ea typeface="Cambria Math" panose="02040503050406030204" pitchFamily="18" charset="0"/>
                           </a:rPr>
@@ -4720,7 +4752,7 @@
                       </m:sub>
                     </m:sSub>
                     <m:r>
-                      <a:rPr lang="en-US" sz="2000" i="1">
+                      <a:rPr lang="en-US" sz="2100" i="1">
                         <a:latin typeface="Cambria Math" panose="02040503050406030204" pitchFamily="18" charset="0"/>
                         <a:ea typeface="Cambria Math" panose="02040503050406030204" pitchFamily="18" charset="0"/>
                       </a:rPr>
@@ -4729,7 +4761,7 @@
                     <m:f>
                       <m:fPr>
                         <m:ctrlPr>
-                          <a:rPr lang="en-US" sz="2000" i="1">
+                          <a:rPr lang="en-US" sz="2100" i="1">
                             <a:latin typeface="Cambria Math" panose="02040503050406030204" pitchFamily="18" charset="0"/>
                           </a:rPr>
                         </m:ctrlPr>
@@ -4739,7 +4771,7 @@
                           <m:rPr>
                             <m:sty m:val="p"/>
                           </m:rPr>
-                          <a:rPr lang="en-US" sz="2000">
+                          <a:rPr lang="en-US" sz="2100">
                             <a:latin typeface="Cambria Math" panose="02040503050406030204" pitchFamily="18" charset="0"/>
                           </a:rPr>
                           <m:t>kg</m:t>
@@ -4749,7 +4781,7 @@
                         <m:sSup>
                           <m:sSupPr>
                             <m:ctrlPr>
-                              <a:rPr lang="en-US" sz="2000" i="1">
+                              <a:rPr lang="en-US" sz="2100" i="1">
                                 <a:latin typeface="Cambria Math" panose="02040503050406030204" pitchFamily="18" charset="0"/>
                               </a:rPr>
                             </m:ctrlPr>
@@ -4759,7 +4791,7 @@
                               <m:rPr>
                                 <m:sty m:val="p"/>
                               </m:rPr>
-                              <a:rPr lang="en-US" sz="2000">
+                              <a:rPr lang="en-US" sz="2100">
                                 <a:latin typeface="Cambria Math" panose="02040503050406030204" pitchFamily="18" charset="0"/>
                               </a:rPr>
                               <m:t>m</m:t>
@@ -4767,7 +4799,7 @@
                           </m:e>
                           <m:sup>
                             <m:r>
-                              <a:rPr lang="en-US" sz="2000" i="1">
+                              <a:rPr lang="en-US" sz="2100" i="1">
                                 <a:latin typeface="Cambria Math" panose="02040503050406030204" pitchFamily="18" charset="0"/>
                               </a:rPr>
                               <m:t>3</m:t>
@@ -4778,20 +4810,20 @@
                     </m:f>
                   </m:oMath>
                 </a14:m>
-                <a:endParaRPr lang="en-US" sz="2000" b="1" dirty="0"/>
+                <a:endParaRPr lang="en-US" sz="2100" b="1" dirty="0"/>
               </a:p>
               <a:p>
                 <a:pPr marL="457200" lvl="1"/>
                 <a14:m>
                   <m:oMath xmlns:m="http://schemas.openxmlformats.org/officeDocument/2006/math">
                     <m:r>
-                      <a:rPr lang="en-US" sz="2000" i="1">
+                      <a:rPr lang="en-US" sz="2100" i="1">
                         <a:latin typeface="Cambria Math" panose="02040503050406030204" pitchFamily="18" charset="0"/>
                       </a:rPr>
                       <m:t>𝐴</m:t>
                     </m:r>
                     <m:r>
-                      <a:rPr lang="en-US" sz="2000" i="1">
+                      <a:rPr lang="en-US" sz="2100" i="1">
                         <a:latin typeface="Cambria Math" panose="02040503050406030204" pitchFamily="18" charset="0"/>
                       </a:rPr>
                       <m:t>=</m:t>
@@ -4799,20 +4831,20 @@
                     <m:sSup>
                       <m:sSupPr>
                         <m:ctrlPr>
-                          <a:rPr lang="en-US" sz="2000" i="1">
+                          <a:rPr lang="en-US" sz="2100" i="1">
                             <a:latin typeface="Cambria Math" panose="02040503050406030204" pitchFamily="18" charset="0"/>
                           </a:rPr>
                         </m:ctrlPr>
                       </m:sSupPr>
                       <m:e>
                         <m:r>
-                          <a:rPr lang="en-US" sz="2000" i="1">
+                          <a:rPr lang="en-US" sz="2100" i="1">
                             <a:latin typeface="Cambria Math" panose="02040503050406030204" pitchFamily="18" charset="0"/>
                           </a:rPr>
                           <m:t>(30</m:t>
                         </m:r>
                         <m:r>
-                          <a:rPr lang="en-US" sz="2000">
+                          <a:rPr lang="en-US" sz="2100">
                             <a:latin typeface="Cambria Math" panose="02040503050406030204" pitchFamily="18" charset="0"/>
                           </a:rPr>
                           <m:t> </m:t>
@@ -4821,13 +4853,13 @@
                           <m:rPr>
                             <m:sty m:val="p"/>
                           </m:rPr>
-                          <a:rPr lang="en-US" sz="2000">
+                          <a:rPr lang="en-US" sz="2100">
                             <a:latin typeface="Cambria Math" panose="02040503050406030204" pitchFamily="18" charset="0"/>
                           </a:rPr>
                           <m:t>mm</m:t>
                         </m:r>
                         <m:r>
-                          <a:rPr lang="en-US" sz="2000">
+                          <a:rPr lang="en-US" sz="2100">
                             <a:latin typeface="Cambria Math" panose="02040503050406030204" pitchFamily="18" charset="0"/>
                           </a:rPr>
                           <m:t>)</m:t>
@@ -4835,7 +4867,7 @@
                       </m:e>
                       <m:sup>
                         <m:r>
-                          <a:rPr lang="en-US" sz="2000" i="1">
+                          <a:rPr lang="en-US" sz="2100" i="1">
                             <a:latin typeface="Cambria Math" panose="02040503050406030204" pitchFamily="18" charset="0"/>
                           </a:rPr>
                           <m:t>2</m:t>
@@ -4845,19 +4877,19 @@
                   </m:oMath>
                 </a14:m>
                 <a:r>
-                  <a:rPr lang="en-US" sz="2000" dirty="0"/>
+                  <a:rPr lang="en-US" sz="2100" dirty="0"/>
                   <a:t>, </a:t>
                 </a:r>
                 <a14:m>
                   <m:oMath xmlns:m="http://schemas.openxmlformats.org/officeDocument/2006/math">
                     <m:r>
-                      <a:rPr lang="en-US" sz="2000" i="1">
+                      <a:rPr lang="en-US" sz="2100" i="1">
                         <a:latin typeface="Cambria Math" panose="02040503050406030204" pitchFamily="18" charset="0"/>
                       </a:rPr>
                       <m:t>𝐻</m:t>
                     </m:r>
                     <m:r>
-                      <a:rPr lang="en-US" sz="2000" i="1">
+                      <a:rPr lang="en-US" sz="2100" i="1">
                         <a:latin typeface="Cambria Math" panose="02040503050406030204" pitchFamily="18" charset="0"/>
                       </a:rPr>
                       <m:t>=0.5334 </m:t>
@@ -4866,14 +4898,14 @@
                       <m:rPr>
                         <m:sty m:val="p"/>
                       </m:rPr>
-                      <a:rPr lang="en-US" sz="2000">
+                      <a:rPr lang="en-US" sz="2100">
                         <a:latin typeface="Cambria Math" panose="02040503050406030204" pitchFamily="18" charset="0"/>
                       </a:rPr>
                       <m:t>mm</m:t>
                     </m:r>
                   </m:oMath>
                 </a14:m>
-                <a:endParaRPr lang="en-US" sz="2000" b="1" dirty="0"/>
+                <a:endParaRPr lang="en-US" sz="2100" b="1" dirty="0"/>
               </a:p>
               <a:p>
                 <a:pPr marL="457200" lvl="1"/>
@@ -4882,14 +4914,14 @@
                     <m:sSub>
                       <m:sSubPr>
                         <m:ctrlPr>
-                          <a:rPr lang="en-US" sz="2000" i="1">
+                          <a:rPr lang="en-US" sz="2100" i="1">
                             <a:latin typeface="Cambria Math" panose="02040503050406030204" pitchFamily="18" charset="0"/>
                           </a:rPr>
                         </m:ctrlPr>
                       </m:sSubPr>
                       <m:e>
                         <m:r>
-                          <a:rPr lang="en-US" sz="2000" i="1">
+                          <a:rPr lang="en-US" sz="2100" i="1">
                             <a:latin typeface="Cambria Math" panose="02040503050406030204" pitchFamily="18" charset="0"/>
                           </a:rPr>
                           <m:t>𝑅</m:t>
@@ -4897,7 +4929,7 @@
                       </m:e>
                       <m:sub>
                         <m:r>
-                          <a:rPr lang="en-US" sz="2000" i="1">
+                          <a:rPr lang="en-US" sz="2100" i="1">
                             <a:latin typeface="Cambria Math" panose="02040503050406030204" pitchFamily="18" charset="0"/>
                           </a:rPr>
                           <m:t>𝑚</m:t>
@@ -4905,13 +4937,13 @@
                       </m:sub>
                     </m:sSub>
                     <m:r>
-                      <a:rPr lang="en-US" sz="2000" i="1">
+                      <a:rPr lang="en-US" sz="2100" i="1">
                         <a:latin typeface="Cambria Math" panose="02040503050406030204" pitchFamily="18" charset="0"/>
                       </a:rPr>
                       <m:t>=3</m:t>
                     </m:r>
                     <m:r>
-                      <a:rPr lang="en-US" sz="2000">
+                      <a:rPr lang="en-US" sz="2100">
                         <a:latin typeface="Cambria Math" panose="02040503050406030204" pitchFamily="18" charset="0"/>
                       </a:rPr>
                       <m:t> </m:t>
@@ -4920,7 +4952,7 @@
                       <m:rPr>
                         <m:sty m:val="p"/>
                       </m:rPr>
-                      <a:rPr lang="en-US" sz="2000">
+                      <a:rPr lang="en-US" sz="2100">
                         <a:latin typeface="Cambria Math" panose="02040503050406030204" pitchFamily="18" charset="0"/>
                       </a:rPr>
                       <m:t>mm</m:t>
@@ -4928,7 +4960,7 @@
                   </m:oMath>
                 </a14:m>
                 <a:r>
-                  <a:rPr lang="en-US" sz="2000" dirty="0"/>
+                  <a:rPr lang="en-US" sz="2100" dirty="0"/>
                   <a:t>, </a:t>
                 </a:r>
                 <a14:m>
@@ -4936,14 +4968,14 @@
                     <m:sSub>
                       <m:sSubPr>
                         <m:ctrlPr>
-                          <a:rPr lang="en-US" sz="2000" i="1">
+                          <a:rPr lang="en-US" sz="2100" i="1">
                             <a:latin typeface="Cambria Math" panose="02040503050406030204" pitchFamily="18" charset="0"/>
                           </a:rPr>
                         </m:ctrlPr>
                       </m:sSubPr>
                       <m:e>
                         <m:r>
-                          <a:rPr lang="en-US" sz="2000" i="1">
+                          <a:rPr lang="en-US" sz="2100" i="1">
                             <a:latin typeface="Cambria Math" panose="02040503050406030204" pitchFamily="18" charset="0"/>
                           </a:rPr>
                           <m:t>𝐻</m:t>
@@ -4951,7 +4983,7 @@
                       </m:e>
                       <m:sub>
                         <m:r>
-                          <a:rPr lang="en-US" sz="2000" b="0" i="1" smtClean="0">
+                          <a:rPr lang="en-US" sz="2100" b="0" i="1" smtClean="0">
                             <a:latin typeface="Cambria Math" panose="02040503050406030204" pitchFamily="18" charset="0"/>
                           </a:rPr>
                           <m:t>𝑚</m:t>
@@ -4959,7 +4991,7 @@
                       </m:sub>
                     </m:sSub>
                     <m:r>
-                      <a:rPr lang="en-US" sz="2000" i="1">
+                      <a:rPr lang="en-US" sz="2100" i="1">
                         <a:latin typeface="Cambria Math" panose="02040503050406030204" pitchFamily="18" charset="0"/>
                       </a:rPr>
                       <m:t>=3 </m:t>
@@ -4968,14 +5000,14 @@
                       <m:rPr>
                         <m:sty m:val="p"/>
                       </m:rPr>
-                      <a:rPr lang="en-US" sz="2000">
+                      <a:rPr lang="en-US" sz="2100">
                         <a:latin typeface="Cambria Math" panose="02040503050406030204" pitchFamily="18" charset="0"/>
                       </a:rPr>
                       <m:t>mm</m:t>
                     </m:r>
                   </m:oMath>
                 </a14:m>
-                <a:endParaRPr lang="en-US" sz="2000" dirty="0"/>
+                <a:endParaRPr lang="en-US" sz="2100" dirty="0"/>
               </a:p>
               <a:p>
                 <a:pPr marL="457200" lvl="1"/>
@@ -4984,14 +5016,14 @@
                     <m:sSub>
                       <m:sSubPr>
                         <m:ctrlPr>
-                          <a:rPr lang="en-US" sz="2000" i="1">
+                          <a:rPr lang="en-US" sz="2100" i="1">
                             <a:latin typeface="Cambria Math" panose="02040503050406030204" pitchFamily="18" charset="0"/>
                           </a:rPr>
                         </m:ctrlPr>
                       </m:sSubPr>
                       <m:e>
                         <m:r>
-                          <a:rPr lang="en-US" sz="2000" i="1">
+                          <a:rPr lang="en-US" sz="2100" i="1">
                             <a:latin typeface="Cambria Math" panose="02040503050406030204" pitchFamily="18" charset="0"/>
                           </a:rPr>
                           <m:t>𝑚</m:t>
@@ -4999,7 +5031,7 @@
                       </m:e>
                       <m:sub>
                         <m:r>
-                          <a:rPr lang="en-US" sz="2000" i="1">
+                          <a:rPr lang="en-US" sz="2100" i="1">
                             <a:latin typeface="Cambria Math" panose="02040503050406030204" pitchFamily="18" charset="0"/>
                           </a:rPr>
                           <m:t>𝑚</m:t>
@@ -5007,13 +5039,13 @@
                       </m:sub>
                     </m:sSub>
                     <m:r>
-                      <a:rPr lang="en-US" sz="2000" i="1">
+                      <a:rPr lang="en-US" sz="2100" i="1">
                         <a:latin typeface="Cambria Math" panose="02040503050406030204" pitchFamily="18" charset="0"/>
                       </a:rPr>
                       <m:t>= </m:t>
                     </m:r>
                     <m:r>
-                      <a:rPr lang="en-US" sz="2000" i="1">
+                      <a:rPr lang="en-US" sz="2100" i="1">
                         <a:latin typeface="Cambria Math" panose="02040503050406030204" pitchFamily="18" charset="0"/>
                         <a:ea typeface="Cambria Math" panose="02040503050406030204" pitchFamily="18" charset="0"/>
                       </a:rPr>
@@ -5022,7 +5054,7 @@
                     <m:sSubSup>
                       <m:sSubSupPr>
                         <m:ctrlPr>
-                          <a:rPr lang="en-US" sz="2000" i="1">
+                          <a:rPr lang="en-US" sz="2100" i="1">
                             <a:latin typeface="Cambria Math" panose="02040503050406030204" pitchFamily="18" charset="0"/>
                             <a:ea typeface="Cambria Math" panose="02040503050406030204" pitchFamily="18" charset="0"/>
                           </a:rPr>
@@ -5030,7 +5062,7 @@
                       </m:sSubSupPr>
                       <m:e>
                         <m:r>
-                          <a:rPr lang="en-US" sz="2000" i="1">
+                          <a:rPr lang="en-US" sz="2100" i="1">
                             <a:latin typeface="Cambria Math" panose="02040503050406030204" pitchFamily="18" charset="0"/>
                             <a:ea typeface="Cambria Math" panose="02040503050406030204" pitchFamily="18" charset="0"/>
                           </a:rPr>
@@ -5039,7 +5071,7 @@
                       </m:e>
                       <m:sub>
                         <m:r>
-                          <a:rPr lang="en-US" sz="2000" i="1">
+                          <a:rPr lang="en-US" sz="2100" i="1">
                             <a:latin typeface="Cambria Math" panose="02040503050406030204" pitchFamily="18" charset="0"/>
                             <a:ea typeface="Cambria Math" panose="02040503050406030204" pitchFamily="18" charset="0"/>
                           </a:rPr>
@@ -5048,7 +5080,7 @@
                       </m:sub>
                       <m:sup>
                         <m:r>
-                          <a:rPr lang="en-US" sz="2000" i="1" smtClean="0">
+                          <a:rPr lang="en-US" sz="2100" i="1" smtClean="0">
                             <a:latin typeface="Cambria Math" panose="02040503050406030204" pitchFamily="18" charset="0"/>
                             <a:ea typeface="Cambria Math" panose="02040503050406030204" pitchFamily="18" charset="0"/>
                           </a:rPr>
@@ -5059,7 +5091,7 @@
                     <m:sSub>
                       <m:sSubPr>
                         <m:ctrlPr>
-                          <a:rPr lang="en-US" sz="2000" i="1">
+                          <a:rPr lang="en-US" sz="2100" i="1">
                             <a:latin typeface="Cambria Math" panose="02040503050406030204" pitchFamily="18" charset="0"/>
                             <a:ea typeface="Cambria Math" panose="02040503050406030204" pitchFamily="18" charset="0"/>
                           </a:rPr>
@@ -5067,7 +5099,7 @@
                       </m:sSubPr>
                       <m:e>
                         <m:r>
-                          <a:rPr lang="en-US" sz="2000" i="1">
+                          <a:rPr lang="en-US" sz="2100" i="1">
                             <a:latin typeface="Cambria Math" panose="02040503050406030204" pitchFamily="18" charset="0"/>
                             <a:ea typeface="Cambria Math" panose="02040503050406030204" pitchFamily="18" charset="0"/>
                           </a:rPr>
@@ -5076,7 +5108,7 @@
                       </m:e>
                       <m:sub>
                         <m:r>
-                          <a:rPr lang="en-US" sz="2000" i="1">
+                          <a:rPr lang="en-US" sz="2100" i="1">
                             <a:latin typeface="Cambria Math" panose="02040503050406030204" pitchFamily="18" charset="0"/>
                             <a:ea typeface="Cambria Math" panose="02040503050406030204" pitchFamily="18" charset="0"/>
                           </a:rPr>
@@ -5087,7 +5119,7 @@
                     <m:sSub>
                       <m:sSubPr>
                         <m:ctrlPr>
-                          <a:rPr lang="en-US" sz="2000" i="1">
+                          <a:rPr lang="en-US" sz="2100" i="1">
                             <a:latin typeface="Cambria Math" panose="02040503050406030204" pitchFamily="18" charset="0"/>
                             <a:ea typeface="Cambria Math" panose="02040503050406030204" pitchFamily="18" charset="0"/>
                           </a:rPr>
@@ -5095,7 +5127,7 @@
                       </m:sSubPr>
                       <m:e>
                         <m:r>
-                          <a:rPr lang="en-US" sz="2000" i="1">
+                          <a:rPr lang="en-US" sz="2100" i="1">
                             <a:latin typeface="Cambria Math" panose="02040503050406030204" pitchFamily="18" charset="0"/>
                             <a:ea typeface="Cambria Math" panose="02040503050406030204" pitchFamily="18" charset="0"/>
                           </a:rPr>
@@ -5104,7 +5136,7 @@
                       </m:e>
                       <m:sub>
                         <m:r>
-                          <a:rPr lang="en-US" sz="2000" i="1">
+                          <a:rPr lang="en-US" sz="2100" i="1">
                             <a:latin typeface="Cambria Math" panose="02040503050406030204" pitchFamily="18" charset="0"/>
                             <a:ea typeface="Cambria Math" panose="02040503050406030204" pitchFamily="18" charset="0"/>
                           </a:rPr>
@@ -5113,14 +5145,14 @@
                       </m:sub>
                     </m:sSub>
                     <m:r>
-                      <a:rPr lang="en-US" sz="2000">
+                      <a:rPr lang="en-US" sz="2100">
                         <a:latin typeface="Cambria Math" panose="02040503050406030204" pitchFamily="18" charset="0"/>
                         <a:ea typeface="Cambria Math" panose="02040503050406030204" pitchFamily="18" charset="0"/>
                       </a:rPr>
                       <m:t>=</m:t>
                     </m:r>
                     <m:r>
-                      <a:rPr lang="en-US" sz="2000" b="0" i="0">
+                      <a:rPr lang="en-US" sz="2100" b="0" i="0">
                         <a:latin typeface="Cambria Math" panose="02040503050406030204" pitchFamily="18" charset="0"/>
                         <a:ea typeface="Cambria Math" panose="02040503050406030204" pitchFamily="18" charset="0"/>
                       </a:rPr>
@@ -5130,7 +5162,7 @@
                       <m:rPr>
                         <m:sty m:val="p"/>
                       </m:rPr>
-                      <a:rPr lang="en-US" sz="2000" b="0" i="0">
+                      <a:rPr lang="en-US" sz="2100" b="0" i="0">
                         <a:latin typeface="Cambria Math" panose="02040503050406030204" pitchFamily="18" charset="0"/>
                         <a:ea typeface="Cambria Math" panose="02040503050406030204" pitchFamily="18" charset="0"/>
                       </a:rPr>
@@ -5138,7 +5170,24 @@
                     </m:r>
                   </m:oMath>
                 </a14:m>
+                <a:endParaRPr lang="en-US" sz="2100" dirty="0"/>
+              </a:p>
+              <a:p>
+                <a:pPr marL="457200" lvl="1"/>
                 <a:endParaRPr lang="en-US" sz="2000" dirty="0"/>
+              </a:p>
+              <a:p>
+                <a:pPr marL="0" indent="0">
+                  <a:buNone/>
+                </a:pPr>
+                <a:r>
+                  <a:rPr lang="en-US" sz="2400" b="1" dirty="0"/>
+                  <a:t>NOTE: </a:t>
+                </a:r>
+                <a:r>
+                  <a:rPr lang="en-US" sz="2400" dirty="0"/>
+                  <a:t>FEA with magnet did not work in FreeCAD so eigenfrequency estimates are used here instead</a:t>
+                </a:r>
               </a:p>
             </p:txBody>
           </p:sp>
@@ -5168,7 +5217,7 @@
               <a:blipFill>
                 <a:blip r:embed="rId2"/>
                 <a:stretch>
-                  <a:fillRect l="-882" t="-2137"/>
+                  <a:fillRect l="-1471" t="-2564" r="-1176" b="-1282"/>
                 </a:stretch>
               </a:blipFill>
             </p:spPr>
@@ -5265,7 +5314,7 @@
             </p:spPr>
             <p:txBody>
               <a:bodyPr anchor="t">
-                <a:normAutofit/>
+                <a:normAutofit fontScale="92500" lnSpcReduction="10000"/>
               </a:bodyPr>
               <a:lstStyle/>
               <a:p>
@@ -5286,13 +5335,13 @@
                 <a14:m>
                   <m:oMath xmlns:m="http://schemas.openxmlformats.org/officeDocument/2006/math">
                     <m:r>
-                      <a:rPr lang="en-US" sz="2000" i="1">
+                      <a:rPr lang="en-US" i="1">
                         <a:latin typeface="Cambria Math" panose="02040503050406030204" pitchFamily="18" charset="0"/>
                       </a:rPr>
                       <m:t>𝑚</m:t>
                     </m:r>
                     <m:r>
-                      <a:rPr lang="en-US" sz="2000" i="1">
+                      <a:rPr lang="en-US" i="1">
                         <a:latin typeface="Cambria Math" panose="02040503050406030204" pitchFamily="18" charset="0"/>
                       </a:rPr>
                       <m:t>=</m:t>
@@ -5300,14 +5349,14 @@
                     <m:sSub>
                       <m:sSubPr>
                         <m:ctrlPr>
-                          <a:rPr lang="en-US" sz="2000" i="1">
+                          <a:rPr lang="en-US" i="1">
                             <a:latin typeface="Cambria Math" panose="02040503050406030204" pitchFamily="18" charset="0"/>
                           </a:rPr>
                         </m:ctrlPr>
                       </m:sSubPr>
                       <m:e>
                         <m:r>
-                          <a:rPr lang="en-US" sz="2000" i="1">
+                          <a:rPr lang="en-US" i="1">
                             <a:latin typeface="Cambria Math" panose="02040503050406030204" pitchFamily="18" charset="0"/>
                             <a:ea typeface="Cambria Math" panose="02040503050406030204" pitchFamily="18" charset="0"/>
                           </a:rPr>
@@ -5316,7 +5365,7 @@
                       </m:e>
                       <m:sub>
                         <m:r>
-                          <a:rPr lang="en-US" sz="2000" i="1">
+                          <a:rPr lang="en-US" i="1">
                             <a:latin typeface="Cambria Math" panose="02040503050406030204" pitchFamily="18" charset="0"/>
                           </a:rPr>
                           <m:t>𝑃𝐶𝐵</m:t>
@@ -5324,13 +5373,13 @@
                       </m:sub>
                     </m:sSub>
                     <m:r>
-                      <a:rPr lang="en-US" sz="2000" i="1">
+                      <a:rPr lang="en-US" i="1">
                         <a:latin typeface="Cambria Math" panose="02040503050406030204" pitchFamily="18" charset="0"/>
                       </a:rPr>
                       <m:t>𝐴𝐻</m:t>
                     </m:r>
                     <m:r>
-                      <a:rPr lang="en-US" sz="2000">
+                      <a:rPr lang="en-US">
                         <a:latin typeface="Cambria Math" panose="02040503050406030204" pitchFamily="18" charset="0"/>
                       </a:rPr>
                       <m:t>=997.56 </m:t>
@@ -5339,14 +5388,14 @@
                       <m:rPr>
                         <m:sty m:val="p"/>
                       </m:rPr>
-                      <a:rPr lang="en-US" sz="2000">
+                      <a:rPr lang="en-US">
                         <a:latin typeface="Cambria Math" panose="02040503050406030204" pitchFamily="18" charset="0"/>
                       </a:rPr>
                       <m:t>mg</m:t>
                     </m:r>
                   </m:oMath>
                 </a14:m>
-                <a:endParaRPr lang="en-US" sz="2000" dirty="0"/>
+                <a:endParaRPr lang="en-US" dirty="0"/>
               </a:p>
               <a:p>
                 <a:pPr marL="457200" lvl="1"/>
@@ -5362,14 +5411,14 @@
                     <m:sSup>
                       <m:sSupPr>
                         <m:ctrlPr>
-                          <a:rPr lang="en-US" sz="2000" i="1">
+                          <a:rPr lang="en-US" i="1">
                             <a:latin typeface="Cambria Math" panose="02040503050406030204" pitchFamily="18" charset="0"/>
                           </a:rPr>
                         </m:ctrlPr>
                       </m:sSupPr>
                       <m:e>
                         <m:r>
-                          <a:rPr lang="en-US" sz="2000" i="1">
+                          <a:rPr lang="en-US" i="1">
                             <a:latin typeface="Cambria Math" panose="02040503050406030204" pitchFamily="18" charset="0"/>
                           </a:rPr>
                           <m:t>𝑚</m:t>
@@ -5377,7 +5426,7 @@
                       </m:e>
                       <m:sup>
                         <m:r>
-                          <a:rPr lang="en-US" sz="2000" i="1">
+                          <a:rPr lang="en-US" i="1">
                             <a:latin typeface="Cambria Math" panose="02040503050406030204" pitchFamily="18" charset="0"/>
                           </a:rPr>
                           <m:t>′</m:t>
@@ -5385,19 +5434,19 @@
                       </m:sup>
                     </m:sSup>
                     <m:r>
-                      <a:rPr lang="en-US" sz="2000" i="1">
+                      <a:rPr lang="en-US" i="1">
                         <a:latin typeface="Cambria Math" panose="02040503050406030204" pitchFamily="18" charset="0"/>
                       </a:rPr>
                       <m:t>=</m:t>
                     </m:r>
                     <m:r>
-                      <a:rPr lang="en-US" sz="2000" i="1">
+                      <a:rPr lang="en-US" i="1">
                         <a:latin typeface="Cambria Math" panose="02040503050406030204" pitchFamily="18" charset="0"/>
                       </a:rPr>
                       <m:t>𝑚</m:t>
                     </m:r>
                     <m:r>
-                      <a:rPr lang="en-US" sz="2000" i="1">
+                      <a:rPr lang="en-US" i="1">
                         <a:latin typeface="Cambria Math" panose="02040503050406030204" pitchFamily="18" charset="0"/>
                       </a:rPr>
                       <m:t>+</m:t>
@@ -5405,14 +5454,14 @@
                     <m:sSub>
                       <m:sSubPr>
                         <m:ctrlPr>
-                          <a:rPr lang="en-US" sz="2000" i="1">
+                          <a:rPr lang="en-US" i="1">
                             <a:latin typeface="Cambria Math" panose="02040503050406030204" pitchFamily="18" charset="0"/>
                           </a:rPr>
                         </m:ctrlPr>
                       </m:sSubPr>
                       <m:e>
                         <m:r>
-                          <a:rPr lang="en-US" sz="2000" i="1">
+                          <a:rPr lang="en-US" i="1">
                             <a:latin typeface="Cambria Math" panose="02040503050406030204" pitchFamily="18" charset="0"/>
                           </a:rPr>
                           <m:t>𝑚</m:t>
@@ -5420,7 +5469,7 @@
                       </m:e>
                       <m:sub>
                         <m:r>
-                          <a:rPr lang="en-US" sz="2000" i="1">
+                          <a:rPr lang="en-US" i="1">
                             <a:latin typeface="Cambria Math" panose="02040503050406030204" pitchFamily="18" charset="0"/>
                           </a:rPr>
                           <m:t>𝑚</m:t>
@@ -5428,7 +5477,7 @@
                       </m:sub>
                     </m:sSub>
                     <m:r>
-                      <a:rPr lang="en-US" sz="2000">
+                      <a:rPr lang="en-US">
                         <a:latin typeface="Cambria Math" panose="02040503050406030204" pitchFamily="18" charset="0"/>
                       </a:rPr>
                       <m:t>=1.634 </m:t>
@@ -5437,14 +5486,14 @@
                       <m:rPr>
                         <m:sty m:val="p"/>
                       </m:rPr>
-                      <a:rPr lang="en-US" sz="2000">
+                      <a:rPr lang="en-US">
                         <a:latin typeface="Cambria Math" panose="02040503050406030204" pitchFamily="18" charset="0"/>
                       </a:rPr>
                       <m:t>g</m:t>
                     </m:r>
                   </m:oMath>
                 </a14:m>
-                <a:endParaRPr lang="en-US" sz="2000" dirty="0"/>
+                <a:endParaRPr lang="en-US" dirty="0"/>
               </a:p>
             </p:txBody>
           </p:sp>
@@ -5474,7 +5523,7 @@
               <a:blipFill>
                 <a:blip r:embed="rId3"/>
                 <a:stretch>
-                  <a:fillRect l="-885" t="-2137"/>
+                  <a:fillRect l="-885" t="-2564"/>
                 </a:stretch>
               </a:blipFill>
             </p:spPr>
@@ -5758,7 +5807,17 @@
                         <a:latin typeface="Cambria Math" panose="02040503050406030204" pitchFamily="18" charset="0"/>
                         <a:ea typeface="Cambria Math" panose="02040503050406030204" pitchFamily="18" charset="0"/>
                       </a:rPr>
-                      <m:t>92.34 </m:t>
+                      <m:t>176.46</m:t>
+                    </m:r>
+                    <m:r>
+                      <a:rPr lang="en-US" sz="1200" b="0" i="1" smtClean="0">
+                        <a:solidFill>
+                          <a:srgbClr val="00B050"/>
+                        </a:solidFill>
+                        <a:latin typeface="Cambria Math" panose="02040503050406030204" pitchFamily="18" charset="0"/>
+                        <a:ea typeface="Cambria Math" panose="02040503050406030204" pitchFamily="18" charset="0"/>
+                      </a:rPr>
+                      <m:t> </m:t>
                     </m:r>
                     <m:r>
                       <m:rPr>
@@ -5940,15 +5999,6 @@
                   <a:rPr lang="en-US" sz="1200" dirty="0"/>
                   <a:t> </a:t>
                 </a:r>
-                <a:r>
-                  <a:rPr lang="en-US" sz="1200" dirty="0">
-                    <a:solidFill>
-                      <a:srgbClr val="00B050"/>
-                    </a:solidFill>
-                  </a:rPr>
-                  <a:t>72.15 Hz</a:t>
-                </a:r>
-                <a:endParaRPr lang="en-US" sz="1200" dirty="0"/>
               </a:p>
               <a:p>
                 <a:pPr marL="0"/>
@@ -6026,7 +6076,7 @@
                         <a:latin typeface="Cambria Math" panose="02040503050406030204" pitchFamily="18" charset="0"/>
                         <a:ea typeface="Cambria Math" panose="02040503050406030204" pitchFamily="18" charset="0"/>
                       </a:rPr>
-                      <m:t>126.25</m:t>
+                      <m:t>189.14</m:t>
                     </m:r>
                     <m:r>
                       <a:rPr lang="en-US" sz="1200" i="1">
@@ -6212,29 +6262,6 @@
                       </a:rPr>
                       <m:t>=</m:t>
                     </m:r>
-                    <m:r>
-                      <a:rPr lang="en-US" sz="1200" b="0" i="1" smtClean="0">
-                        <a:solidFill>
-                          <a:srgbClr val="00B050"/>
-                        </a:solidFill>
-                        <a:latin typeface="Cambria Math" panose="02040503050406030204" pitchFamily="18" charset="0"/>
-                        <a:ea typeface="Cambria Math" panose="02040503050406030204" pitchFamily="18" charset="0"/>
-                      </a:rPr>
-                      <m:t>98.65 </m:t>
-                    </m:r>
-                    <m:r>
-                      <m:rPr>
-                        <m:sty m:val="p"/>
-                      </m:rPr>
-                      <a:rPr lang="en-US" sz="1200" b="0" i="0" smtClean="0">
-                        <a:solidFill>
-                          <a:srgbClr val="00B050"/>
-                        </a:solidFill>
-                        <a:latin typeface="Cambria Math" panose="02040503050406030204" pitchFamily="18" charset="0"/>
-                        <a:ea typeface="Cambria Math" panose="02040503050406030204" pitchFamily="18" charset="0"/>
-                      </a:rPr>
-                      <m:t>Hz</m:t>
-                    </m:r>
                   </m:oMath>
                 </a14:m>
                 <a:endParaRPr lang="en-US" sz="2000" b="1" dirty="0"/>
@@ -6315,7 +6342,7 @@
                         <a:latin typeface="Cambria Math" panose="02040503050406030204" pitchFamily="18" charset="0"/>
                         <a:ea typeface="Cambria Math" panose="02040503050406030204" pitchFamily="18" charset="0"/>
                       </a:rPr>
-                      <m:t>338.18</m:t>
+                      <m:t>555.74</m:t>
                     </m:r>
                     <m:r>
                       <a:rPr lang="en-US" sz="1200" i="1">
@@ -6500,29 +6527,6 @@
                         <a:ea typeface="Cambria Math" panose="02040503050406030204" pitchFamily="18" charset="0"/>
                       </a:rPr>
                       <m:t>=</m:t>
-                    </m:r>
-                    <m:r>
-                      <a:rPr lang="en-US" sz="1200" b="0" i="1" smtClean="0">
-                        <a:solidFill>
-                          <a:srgbClr val="00B050"/>
-                        </a:solidFill>
-                        <a:latin typeface="Cambria Math" panose="02040503050406030204" pitchFamily="18" charset="0"/>
-                        <a:ea typeface="Cambria Math" panose="02040503050406030204" pitchFamily="18" charset="0"/>
-                      </a:rPr>
-                      <m:t>264.2 </m:t>
-                    </m:r>
-                    <m:r>
-                      <m:rPr>
-                        <m:sty m:val="p"/>
-                      </m:rPr>
-                      <a:rPr lang="en-US" sz="1200" b="0" i="0" smtClean="0">
-                        <a:solidFill>
-                          <a:srgbClr val="00B050"/>
-                        </a:solidFill>
-                        <a:latin typeface="Cambria Math" panose="02040503050406030204" pitchFamily="18" charset="0"/>
-                        <a:ea typeface="Cambria Math" panose="02040503050406030204" pitchFamily="18" charset="0"/>
-                      </a:rPr>
-                      <m:t>Hz</m:t>
                     </m:r>
                   </m:oMath>
                 </a14:m>
@@ -6579,31 +6583,35 @@
           </p:sp>
         </mc:Fallback>
       </mc:AlternateContent>
-      <p:sp>
-        <p:nvSpPr>
-          <p:cNvPr id="5" name="Content Placeholder 4">
+      <p:pic>
+        <p:nvPicPr>
+          <p:cNvPr id="8" name="Content Placeholder 7">
             <a:extLst>
               <a:ext uri="{FF2B5EF4-FFF2-40B4-BE49-F238E27FC236}">
-                <a16:creationId xmlns:a16="http://schemas.microsoft.com/office/drawing/2014/main" id="{34680ABB-E5DC-3D4E-9EE7-83515412219E}"/>
+                <a16:creationId xmlns:a16="http://schemas.microsoft.com/office/drawing/2014/main" id="{10A2B782-7309-BC44-9ECB-2F20E63C15F2}"/>
               </a:ext>
             </a:extLst>
           </p:cNvPr>
-          <p:cNvSpPr>
-            <a:spLocks noGrp="1"/>
-          </p:cNvSpPr>
+          <p:cNvPicPr>
+            <a:picLocks noGrp="1" noChangeAspect="1"/>
+          </p:cNvPicPr>
           <p:nvPr>
             <p:ph sz="half" idx="2"/>
           </p:nvPr>
-        </p:nvSpPr>
-        <p:spPr/>
-        <p:txBody>
-          <a:bodyPr/>
-          <a:lstStyle/>
-          <a:p>
-            <a:endParaRPr lang="en-US"/>
-          </a:p>
-        </p:txBody>
-      </p:sp>
+        </p:nvPicPr>
+        <p:blipFill>
+          <a:blip r:embed="rId3"/>
+          <a:stretch>
+            <a:fillRect/>
+          </a:stretch>
+        </p:blipFill>
+        <p:spPr>
+          <a:xfrm>
+            <a:off x="6172200" y="2343182"/>
+            <a:ext cx="5181600" cy="3316224"/>
+          </a:xfrm>
+        </p:spPr>
+      </p:pic>
     </p:spTree>
     <p:extLst>
       <p:ext uri="{BB962C8B-B14F-4D97-AF65-F5344CB8AC3E}">
@@ -7045,20 +7053,31 @@
                       </a:rPr>
                       <m:t>=</m:t>
                     </m:r>
+                    <m:r>
+                      <a:rPr lang="en-US" sz="1200" b="0" i="0" smtClean="0">
+                        <a:solidFill>
+                          <a:srgbClr val="00B050"/>
+                        </a:solidFill>
+                        <a:latin typeface="Cambria Math" panose="02040503050406030204" pitchFamily="18" charset="0"/>
+                        <a:ea typeface="Cambria Math" panose="02040503050406030204" pitchFamily="18" charset="0"/>
+                      </a:rPr>
+                      <m:t>72.15 </m:t>
+                    </m:r>
+                    <m:r>
+                      <m:rPr>
+                        <m:sty m:val="p"/>
+                      </m:rPr>
+                      <a:rPr lang="en-US" sz="1200" b="0" i="0" smtClean="0">
+                        <a:solidFill>
+                          <a:srgbClr val="00B050"/>
+                        </a:solidFill>
+                        <a:latin typeface="Cambria Math" panose="02040503050406030204" pitchFamily="18" charset="0"/>
+                        <a:ea typeface="Cambria Math" panose="02040503050406030204" pitchFamily="18" charset="0"/>
+                      </a:rPr>
+                      <m:t>Hz</m:t>
+                    </m:r>
                   </m:oMath>
                 </a14:m>
-                <a:r>
-                  <a:rPr lang="en-US" sz="1200" dirty="0"/>
-                  <a:t> </a:t>
-                </a:r>
-                <a:r>
-                  <a:rPr lang="en-US" sz="1200" dirty="0">
-                    <a:solidFill>
-                      <a:srgbClr val="00B050"/>
-                    </a:solidFill>
-                  </a:rPr>
-                  <a:t>72.15 Hz</a:t>
-                </a:r>
                 <a:endParaRPr lang="en-US" sz="1200" dirty="0"/>
               </a:p>
               <a:p>
@@ -7972,7 +7991,17 @@
                         <a:latin typeface="Cambria Math" panose="02040503050406030204" pitchFamily="18" charset="0"/>
                         <a:ea typeface="Cambria Math" panose="02040503050406030204" pitchFamily="18" charset="0"/>
                       </a:rPr>
-                      <m:t>92.34 </m:t>
+                      <m:t>74.23</m:t>
+                    </m:r>
+                    <m:r>
+                      <a:rPr lang="en-US" sz="1200" b="0" i="1" smtClean="0">
+                        <a:solidFill>
+                          <a:srgbClr val="00B050"/>
+                        </a:solidFill>
+                        <a:latin typeface="Cambria Math" panose="02040503050406030204" pitchFamily="18" charset="0"/>
+                        <a:ea typeface="Cambria Math" panose="02040503050406030204" pitchFamily="18" charset="0"/>
+                      </a:rPr>
+                      <m:t> </m:t>
                     </m:r>
                     <m:r>
                       <m:rPr>
@@ -8150,18 +8179,6 @@
                     </m:r>
                   </m:oMath>
                 </a14:m>
-                <a:r>
-                  <a:rPr lang="en-US" sz="1200" dirty="0"/>
-                  <a:t> </a:t>
-                </a:r>
-                <a:r>
-                  <a:rPr lang="en-US" sz="1200" dirty="0">
-                    <a:solidFill>
-                      <a:srgbClr val="00B050"/>
-                    </a:solidFill>
-                  </a:rPr>
-                  <a:t>72.15 Hz</a:t>
-                </a:r>
                 <a:endParaRPr lang="en-US" sz="1200" dirty="0"/>
               </a:p>
               <a:p>
@@ -8240,7 +8257,7 @@
                         <a:latin typeface="Cambria Math" panose="02040503050406030204" pitchFamily="18" charset="0"/>
                         <a:ea typeface="Cambria Math" panose="02040503050406030204" pitchFamily="18" charset="0"/>
                       </a:rPr>
-                      <m:t>126.25</m:t>
+                      <m:t>87.74</m:t>
                     </m:r>
                     <m:r>
                       <a:rPr lang="en-US" sz="1200" i="1">
@@ -8426,29 +8443,6 @@
                       </a:rPr>
                       <m:t>=</m:t>
                     </m:r>
-                    <m:r>
-                      <a:rPr lang="en-US" sz="1200" b="0" i="1" smtClean="0">
-                        <a:solidFill>
-                          <a:srgbClr val="00B050"/>
-                        </a:solidFill>
-                        <a:latin typeface="Cambria Math" panose="02040503050406030204" pitchFamily="18" charset="0"/>
-                        <a:ea typeface="Cambria Math" panose="02040503050406030204" pitchFamily="18" charset="0"/>
-                      </a:rPr>
-                      <m:t>98.65 </m:t>
-                    </m:r>
-                    <m:r>
-                      <m:rPr>
-                        <m:sty m:val="p"/>
-                      </m:rPr>
-                      <a:rPr lang="en-US" sz="1200" b="0" i="0" smtClean="0">
-                        <a:solidFill>
-                          <a:srgbClr val="00B050"/>
-                        </a:solidFill>
-                        <a:latin typeface="Cambria Math" panose="02040503050406030204" pitchFamily="18" charset="0"/>
-                        <a:ea typeface="Cambria Math" panose="02040503050406030204" pitchFamily="18" charset="0"/>
-                      </a:rPr>
-                      <m:t>Hz</m:t>
-                    </m:r>
                   </m:oMath>
                 </a14:m>
                 <a:endParaRPr lang="en-US" sz="2000" b="1" dirty="0"/>
@@ -8529,17 +8523,7 @@
                         <a:latin typeface="Cambria Math" panose="02040503050406030204" pitchFamily="18" charset="0"/>
                         <a:ea typeface="Cambria Math" panose="02040503050406030204" pitchFamily="18" charset="0"/>
                       </a:rPr>
-                      <m:t>338.18</m:t>
-                    </m:r>
-                    <m:r>
-                      <a:rPr lang="en-US" sz="1200" i="1">
-                        <a:solidFill>
-                          <a:srgbClr val="00B050"/>
-                        </a:solidFill>
-                        <a:latin typeface="Cambria Math" panose="02040503050406030204" pitchFamily="18" charset="0"/>
-                        <a:ea typeface="Cambria Math" panose="02040503050406030204" pitchFamily="18" charset="0"/>
-                      </a:rPr>
-                      <m:t> </m:t>
+                      <m:t>213.34 </m:t>
                     </m:r>
                     <m:r>
                       <m:rPr>
@@ -8714,29 +8698,6 @@
                         <a:ea typeface="Cambria Math" panose="02040503050406030204" pitchFamily="18" charset="0"/>
                       </a:rPr>
                       <m:t>=</m:t>
-                    </m:r>
-                    <m:r>
-                      <a:rPr lang="en-US" sz="1200" b="0" i="1" smtClean="0">
-                        <a:solidFill>
-                          <a:srgbClr val="00B050"/>
-                        </a:solidFill>
-                        <a:latin typeface="Cambria Math" panose="02040503050406030204" pitchFamily="18" charset="0"/>
-                        <a:ea typeface="Cambria Math" panose="02040503050406030204" pitchFamily="18" charset="0"/>
-                      </a:rPr>
-                      <m:t>264.2 </m:t>
-                    </m:r>
-                    <m:r>
-                      <m:rPr>
-                        <m:sty m:val="p"/>
-                      </m:rPr>
-                      <a:rPr lang="en-US" sz="1200" b="0" i="0" smtClean="0">
-                        <a:solidFill>
-                          <a:srgbClr val="00B050"/>
-                        </a:solidFill>
-                        <a:latin typeface="Cambria Math" panose="02040503050406030204" pitchFamily="18" charset="0"/>
-                        <a:ea typeface="Cambria Math" panose="02040503050406030204" pitchFamily="18" charset="0"/>
-                      </a:rPr>
-                      <m:t>Hz</m:t>
                     </m:r>
                   </m:oMath>
                 </a14:m>
@@ -8793,31 +8754,35 @@
           </p:sp>
         </mc:Fallback>
       </mc:AlternateContent>
-      <p:sp>
-        <p:nvSpPr>
-          <p:cNvPr id="5" name="Content Placeholder 4">
+      <p:pic>
+        <p:nvPicPr>
+          <p:cNvPr id="8" name="Content Placeholder 7">
             <a:extLst>
               <a:ext uri="{FF2B5EF4-FFF2-40B4-BE49-F238E27FC236}">
-                <a16:creationId xmlns:a16="http://schemas.microsoft.com/office/drawing/2014/main" id="{B6E45A92-9D41-814A-BC6B-45D4231CD4F2}"/>
+                <a16:creationId xmlns:a16="http://schemas.microsoft.com/office/drawing/2014/main" id="{F0244056-6F4A-004E-B621-98EC62D2D3A0}"/>
               </a:ext>
             </a:extLst>
           </p:cNvPr>
-          <p:cNvSpPr>
-            <a:spLocks noGrp="1"/>
-          </p:cNvSpPr>
+          <p:cNvPicPr>
+            <a:picLocks noGrp="1" noChangeAspect="1"/>
+          </p:cNvPicPr>
           <p:nvPr>
             <p:ph sz="half" idx="2"/>
           </p:nvPr>
-        </p:nvSpPr>
-        <p:spPr/>
-        <p:txBody>
-          <a:bodyPr/>
-          <a:lstStyle/>
-          <a:p>
-            <a:endParaRPr lang="en-US"/>
-          </a:p>
-        </p:txBody>
-      </p:sp>
+        </p:nvPicPr>
+        <p:blipFill>
+          <a:blip r:embed="rId3"/>
+          <a:stretch>
+            <a:fillRect/>
+          </a:stretch>
+        </p:blipFill>
+        <p:spPr>
+          <a:xfrm>
+            <a:off x="6172200" y="2419602"/>
+            <a:ext cx="5181600" cy="3163383"/>
+          </a:xfrm>
+        </p:spPr>
+      </p:pic>
     </p:spTree>
     <p:extLst>
       <p:ext uri="{BB962C8B-B14F-4D97-AF65-F5344CB8AC3E}">

--- a/optical/report.pptx
+++ b/optical/report.pptx
@@ -121,7 +121,7 @@
 <file path=ppt/revisionInfo.xml><?xml version="1.0" encoding="utf-8"?>
 <p1510:revInfo xmlns:a="http://schemas.openxmlformats.org/drawingml/2006/main" xmlns:r="http://schemas.openxmlformats.org/officeDocument/2006/relationships" xmlns:p1510="http://schemas.microsoft.com/office/powerpoint/2015/10/main">
   <p1510:revLst>
-    <p1510:client id="{75016F44-512C-5341-99A4-0515FCFC0FB3}" v="592" dt="2019-10-26T08:14:53.640"/>
+    <p1510:client id="{75016F44-512C-5341-99A4-0515FCFC0FB3}" v="661" dt="2019-10-26T08:22:38.430"/>
   </p1510:revLst>
 </p1510:revInfo>
 </file>
@@ -195,7 +195,7 @@
   <pc:docChgLst>
     <pc:chgData name="Akash Levy" userId="0f662538-7453-45f3-952a-fc9f1a7c515e" providerId="ADAL" clId="{75016F44-512C-5341-99A4-0515FCFC0FB3}"/>
     <pc:docChg chg="undo custSel mod addSld delSld modSld">
-      <pc:chgData name="Akash Levy" userId="0f662538-7453-45f3-952a-fc9f1a7c515e" providerId="ADAL" clId="{75016F44-512C-5341-99A4-0515FCFC0FB3}" dt="2019-10-26T08:14:53.640" v="1210" actId="931"/>
+      <pc:chgData name="Akash Levy" userId="0f662538-7453-45f3-952a-fc9f1a7c515e" providerId="ADAL" clId="{75016F44-512C-5341-99A4-0515FCFC0FB3}" dt="2019-10-26T08:22:38.430" v="1281" actId="207"/>
       <pc:docMkLst>
         <pc:docMk/>
       </pc:docMkLst>
@@ -238,7 +238,7 @@
         </pc:sldMkLst>
       </pc:sldChg>
       <pc:sldChg chg="addSp delSp modSp delDesignElem">
-        <pc:chgData name="Akash Levy" userId="0f662538-7453-45f3-952a-fc9f1a7c515e" providerId="ADAL" clId="{75016F44-512C-5341-99A4-0515FCFC0FB3}" dt="2019-10-26T08:06:21.965" v="1124" actId="20577"/>
+        <pc:chgData name="Akash Levy" userId="0f662538-7453-45f3-952a-fc9f1a7c515e" providerId="ADAL" clId="{75016F44-512C-5341-99A4-0515FCFC0FB3}" dt="2019-10-26T08:20:35.755" v="1248" actId="207"/>
         <pc:sldMkLst>
           <pc:docMk/>
           <pc:sldMk cId="735790947" sldId="258"/>
@@ -252,7 +252,7 @@
           </ac:spMkLst>
         </pc:spChg>
         <pc:spChg chg="mod">
-          <ac:chgData name="Akash Levy" userId="0f662538-7453-45f3-952a-fc9f1a7c515e" providerId="ADAL" clId="{75016F44-512C-5341-99A4-0515FCFC0FB3}" dt="2019-10-26T08:06:21.965" v="1124" actId="20577"/>
+          <ac:chgData name="Akash Levy" userId="0f662538-7453-45f3-952a-fc9f1a7c515e" providerId="ADAL" clId="{75016F44-512C-5341-99A4-0515FCFC0FB3}" dt="2019-10-26T08:20:35.755" v="1248" actId="207"/>
           <ac:spMkLst>
             <pc:docMk/>
             <pc:sldMk cId="735790947" sldId="258"/>
@@ -530,7 +530,7 @@
         </pc:spChg>
       </pc:sldChg>
       <pc:sldChg chg="addSp delSp modSp add">
-        <pc:chgData name="Akash Levy" userId="0f662538-7453-45f3-952a-fc9f1a7c515e" providerId="ADAL" clId="{75016F44-512C-5341-99A4-0515FCFC0FB3}" dt="2019-10-26T08:14:53.640" v="1210" actId="931"/>
+        <pc:chgData name="Akash Levy" userId="0f662538-7453-45f3-952a-fc9f1a7c515e" providerId="ADAL" clId="{75016F44-512C-5341-99A4-0515FCFC0FB3}" dt="2019-10-26T08:22:38.430" v="1281" actId="207"/>
         <pc:sldMkLst>
           <pc:docMk/>
           <pc:sldMk cId="3428824198" sldId="267"/>
@@ -544,7 +544,7 @@
           </ac:spMkLst>
         </pc:spChg>
         <pc:spChg chg="mod">
-          <ac:chgData name="Akash Levy" userId="0f662538-7453-45f3-952a-fc9f1a7c515e" providerId="ADAL" clId="{75016F44-512C-5341-99A4-0515FCFC0FB3}" dt="2019-10-26T08:13:49.220" v="1209" actId="20577"/>
+          <ac:chgData name="Akash Levy" userId="0f662538-7453-45f3-952a-fc9f1a7c515e" providerId="ADAL" clId="{75016F44-512C-5341-99A4-0515FCFC0FB3}" dt="2019-10-26T08:22:38.430" v="1281" actId="207"/>
           <ac:spMkLst>
             <pc:docMk/>
             <pc:sldMk cId="3428824198" sldId="267"/>
@@ -5993,12 +5993,40 @@
                       </a:rPr>
                       <m:t>=</m:t>
                     </m:r>
+                    <m:r>
+                      <a:rPr lang="en-US" sz="1200" b="0" i="0" smtClean="0">
+                        <a:solidFill>
+                          <a:srgbClr val="00B050"/>
+                        </a:solidFill>
+                        <a:latin typeface="Cambria Math" panose="02040503050406030204" pitchFamily="18" charset="0"/>
+                        <a:ea typeface="Cambria Math" panose="02040503050406030204" pitchFamily="18" charset="0"/>
+                      </a:rPr>
+                      <m:t>137.88 </m:t>
+                    </m:r>
+                    <m:r>
+                      <m:rPr>
+                        <m:sty m:val="p"/>
+                      </m:rPr>
+                      <a:rPr lang="en-US" sz="1200" b="0" i="0" smtClean="0">
+                        <a:solidFill>
+                          <a:srgbClr val="00B050"/>
+                        </a:solidFill>
+                        <a:latin typeface="Cambria Math" panose="02040503050406030204" pitchFamily="18" charset="0"/>
+                        <a:ea typeface="Cambria Math" panose="02040503050406030204" pitchFamily="18" charset="0"/>
+                      </a:rPr>
+                      <m:t>Hz</m:t>
+                    </m:r>
                   </m:oMath>
                 </a14:m>
                 <a:r>
-                  <a:rPr lang="en-US" sz="1200" dirty="0"/>
+                  <a:rPr lang="en-US" sz="1200" dirty="0">
+                    <a:solidFill>
+                      <a:srgbClr val="00B050"/>
+                    </a:solidFill>
+                  </a:rPr>
                   <a:t> </a:t>
                 </a:r>
+                <a:endParaRPr lang="en-US" sz="1200" dirty="0"/>
               </a:p>
               <a:p>
                 <a:pPr marL="0"/>
@@ -6262,9 +6290,36 @@
                       </a:rPr>
                       <m:t>=</m:t>
                     </m:r>
+                    <m:r>
+                      <a:rPr lang="en-US" sz="1200" b="0" i="0" smtClean="0">
+                        <a:solidFill>
+                          <a:srgbClr val="00B050"/>
+                        </a:solidFill>
+                        <a:latin typeface="Cambria Math" panose="02040503050406030204" pitchFamily="18" charset="0"/>
+                        <a:ea typeface="Cambria Math" panose="02040503050406030204" pitchFamily="18" charset="0"/>
+                      </a:rPr>
+                      <m:t>147.78 </m:t>
+                    </m:r>
+                    <m:r>
+                      <m:rPr>
+                        <m:sty m:val="p"/>
+                      </m:rPr>
+                      <a:rPr lang="en-US" sz="1200" b="0" i="0" smtClean="0">
+                        <a:solidFill>
+                          <a:srgbClr val="00B050"/>
+                        </a:solidFill>
+                        <a:latin typeface="Cambria Math" panose="02040503050406030204" pitchFamily="18" charset="0"/>
+                        <a:ea typeface="Cambria Math" panose="02040503050406030204" pitchFamily="18" charset="0"/>
+                      </a:rPr>
+                      <m:t>Hz</m:t>
+                    </m:r>
                   </m:oMath>
                 </a14:m>
-                <a:endParaRPr lang="en-US" sz="2000" b="1" dirty="0"/>
+                <a:endParaRPr lang="en-US" sz="2000" b="1" dirty="0">
+                  <a:solidFill>
+                    <a:srgbClr val="00B050"/>
+                  </a:solidFill>
+                </a:endParaRPr>
               </a:p>
               <a:p>
                 <a:pPr marL="0"/>
@@ -6527,6 +6582,29 @@
                         <a:ea typeface="Cambria Math" panose="02040503050406030204" pitchFamily="18" charset="0"/>
                       </a:rPr>
                       <m:t>=</m:t>
+                    </m:r>
+                    <m:r>
+                      <a:rPr lang="en-US" sz="1200" b="0" i="0" smtClean="0">
+                        <a:solidFill>
+                          <a:srgbClr val="00B050"/>
+                        </a:solidFill>
+                        <a:latin typeface="Cambria Math" panose="02040503050406030204" pitchFamily="18" charset="0"/>
+                        <a:ea typeface="Cambria Math" panose="02040503050406030204" pitchFamily="18" charset="0"/>
+                      </a:rPr>
+                      <m:t>434.23 </m:t>
+                    </m:r>
+                    <m:r>
+                      <m:rPr>
+                        <m:sty m:val="p"/>
+                      </m:rPr>
+                      <a:rPr lang="en-US" sz="1200" b="0" i="0" smtClean="0">
+                        <a:solidFill>
+                          <a:srgbClr val="00B050"/>
+                        </a:solidFill>
+                        <a:latin typeface="Cambria Math" panose="02040503050406030204" pitchFamily="18" charset="0"/>
+                        <a:ea typeface="Cambria Math" panose="02040503050406030204" pitchFamily="18" charset="0"/>
+                      </a:rPr>
+                      <m:t>Hz</m:t>
                     </m:r>
                   </m:oMath>
                 </a14:m>
@@ -8177,6 +8255,29 @@
                       </a:rPr>
                       <m:t>=</m:t>
                     </m:r>
+                    <m:r>
+                      <a:rPr lang="en-US" sz="1200" b="0" i="0" smtClean="0">
+                        <a:solidFill>
+                          <a:srgbClr val="00B050"/>
+                        </a:solidFill>
+                        <a:latin typeface="Cambria Math" panose="02040503050406030204" pitchFamily="18" charset="0"/>
+                        <a:ea typeface="Cambria Math" panose="02040503050406030204" pitchFamily="18" charset="0"/>
+                      </a:rPr>
+                      <m:t>58 </m:t>
+                    </m:r>
+                    <m:r>
+                      <m:rPr>
+                        <m:sty m:val="p"/>
+                      </m:rPr>
+                      <a:rPr lang="en-US" sz="1200" b="0" i="0" smtClean="0">
+                        <a:solidFill>
+                          <a:srgbClr val="00B050"/>
+                        </a:solidFill>
+                        <a:latin typeface="Cambria Math" panose="02040503050406030204" pitchFamily="18" charset="0"/>
+                        <a:ea typeface="Cambria Math" panose="02040503050406030204" pitchFamily="18" charset="0"/>
+                      </a:rPr>
+                      <m:t>Hz</m:t>
+                    </m:r>
                   </m:oMath>
                 </a14:m>
                 <a:endParaRPr lang="en-US" sz="1200" dirty="0"/>
@@ -8443,6 +8544,29 @@
                       </a:rPr>
                       <m:t>=</m:t>
                     </m:r>
+                    <m:r>
+                      <a:rPr lang="en-US" sz="1200" b="0" i="0" smtClean="0">
+                        <a:solidFill>
+                          <a:srgbClr val="00B050"/>
+                        </a:solidFill>
+                        <a:latin typeface="Cambria Math" panose="02040503050406030204" pitchFamily="18" charset="0"/>
+                        <a:ea typeface="Cambria Math" panose="02040503050406030204" pitchFamily="18" charset="0"/>
+                      </a:rPr>
+                      <m:t>68.56 </m:t>
+                    </m:r>
+                    <m:r>
+                      <m:rPr>
+                        <m:sty m:val="p"/>
+                      </m:rPr>
+                      <a:rPr lang="en-US" sz="1200" b="0" i="0" smtClean="0">
+                        <a:solidFill>
+                          <a:srgbClr val="00B050"/>
+                        </a:solidFill>
+                        <a:latin typeface="Cambria Math" panose="02040503050406030204" pitchFamily="18" charset="0"/>
+                        <a:ea typeface="Cambria Math" panose="02040503050406030204" pitchFamily="18" charset="0"/>
+                      </a:rPr>
+                      <m:t>Hz</m:t>
+                    </m:r>
                   </m:oMath>
                 </a14:m>
                 <a:endParaRPr lang="en-US" sz="2000" b="1" dirty="0"/>
@@ -8693,14 +8817,50 @@
                       </m:e>
                     </m:rad>
                     <m:r>
-                      <a:rPr lang="en-US" sz="1200" b="0" i="1" smtClean="0">
+                      <a:rPr lang="en-US" sz="1200" i="1">
                         <a:latin typeface="Cambria Math" panose="02040503050406030204" pitchFamily="18" charset="0"/>
                         <a:ea typeface="Cambria Math" panose="02040503050406030204" pitchFamily="18" charset="0"/>
                       </a:rPr>
                       <m:t>=</m:t>
+                    </m:r>
+                    <m:r>
+                      <a:rPr lang="en-US" sz="1200" i="0" smtClean="0">
+                        <a:solidFill>
+                          <a:srgbClr val="00B050"/>
+                        </a:solidFill>
+                        <a:latin typeface="Cambria Math" panose="02040503050406030204" pitchFamily="18" charset="0"/>
+                        <a:ea typeface="Cambria Math" panose="02040503050406030204" pitchFamily="18" charset="0"/>
+                      </a:rPr>
+                      <m:t>166.69</m:t>
+                    </m:r>
+                    <m:r>
+                      <a:rPr lang="en-US" sz="1200" b="0" i="0" smtClean="0">
+                        <a:solidFill>
+                          <a:srgbClr val="00B050"/>
+                        </a:solidFill>
+                        <a:latin typeface="Cambria Math" panose="02040503050406030204" pitchFamily="18" charset="0"/>
+                        <a:ea typeface="Cambria Math" panose="02040503050406030204" pitchFamily="18" charset="0"/>
+                      </a:rPr>
+                      <m:t> </m:t>
+                    </m:r>
+                    <m:r>
+                      <m:rPr>
+                        <m:sty m:val="p"/>
+                      </m:rPr>
+                      <a:rPr lang="en-US" sz="1200" b="0" i="0" smtClean="0">
+                        <a:solidFill>
+                          <a:srgbClr val="00B050"/>
+                        </a:solidFill>
+                        <a:latin typeface="Cambria Math" panose="02040503050406030204" pitchFamily="18" charset="0"/>
+                        <a:ea typeface="Cambria Math" panose="02040503050406030204" pitchFamily="18" charset="0"/>
+                      </a:rPr>
+                      <m:t>Hz</m:t>
                     </m:r>
                   </m:oMath>
                 </a14:m>
+              </a:p>
+              <a:p>
+                <a:pPr marL="914400" lvl="2"/>
                 <a:endParaRPr lang="en-US" sz="1200" dirty="0"/>
               </a:p>
               <a:p>

--- a/optical/report.pptx
+++ b/optical/report.pptx
@@ -121,7 +121,7 @@
 <file path=ppt/revisionInfo.xml><?xml version="1.0" encoding="utf-8"?>
 <p1510:revInfo xmlns:a="http://schemas.openxmlformats.org/drawingml/2006/main" xmlns:r="http://schemas.openxmlformats.org/officeDocument/2006/relationships" xmlns:p1510="http://schemas.microsoft.com/office/powerpoint/2015/10/main">
   <p1510:revLst>
-    <p1510:client id="{75016F44-512C-5341-99A4-0515FCFC0FB3}" v="661" dt="2019-10-26T08:22:38.430"/>
+    <p1510:client id="{75016F44-512C-5341-99A4-0515FCFC0FB3}" v="668" dt="2019-10-27T02:31:57.590"/>
   </p1510:revLst>
 </p1510:revInfo>
 </file>
@@ -195,7 +195,7 @@
   <pc:docChgLst>
     <pc:chgData name="Akash Levy" userId="0f662538-7453-45f3-952a-fc9f1a7c515e" providerId="ADAL" clId="{75016F44-512C-5341-99A4-0515FCFC0FB3}"/>
     <pc:docChg chg="undo custSel mod addSld delSld modSld">
-      <pc:chgData name="Akash Levy" userId="0f662538-7453-45f3-952a-fc9f1a7c515e" providerId="ADAL" clId="{75016F44-512C-5341-99A4-0515FCFC0FB3}" dt="2019-10-26T08:22:38.430" v="1281" actId="207"/>
+      <pc:chgData name="Akash Levy" userId="0f662538-7453-45f3-952a-fc9f1a7c515e" providerId="ADAL" clId="{75016F44-512C-5341-99A4-0515FCFC0FB3}" dt="2019-10-27T02:32:31.610" v="1345" actId="1036"/>
       <pc:docMkLst>
         <pc:docMk/>
       </pc:docMkLst>
@@ -359,8 +359,8 @@
           </ac:spMkLst>
         </pc:spChg>
       </pc:sldChg>
-      <pc:sldChg chg="addSp delSp modSp delDesignElem">
-        <pc:chgData name="Akash Levy" userId="0f662538-7453-45f3-952a-fc9f1a7c515e" providerId="ADAL" clId="{75016F44-512C-5341-99A4-0515FCFC0FB3}" dt="2019-10-26T06:09:15.945" v="650" actId="6549"/>
+      <pc:sldChg chg="addSp delSp modSp add del delDesignElem">
+        <pc:chgData name="Akash Levy" userId="0f662538-7453-45f3-952a-fc9f1a7c515e" providerId="ADAL" clId="{75016F44-512C-5341-99A4-0515FCFC0FB3}" dt="2019-10-27T02:32:31.610" v="1345" actId="1036"/>
         <pc:sldMkLst>
           <pc:docMk/>
           <pc:sldMk cId="3215211350" sldId="264"/>
@@ -373,6 +373,14 @@
             <ac:spMk id="2" creationId="{E81F0008-107E-C946-AC8E-F52574396D36}"/>
           </ac:spMkLst>
         </pc:spChg>
+        <pc:spChg chg="add del mod">
+          <ac:chgData name="Akash Levy" userId="0f662538-7453-45f3-952a-fc9f1a7c515e" providerId="ADAL" clId="{75016F44-512C-5341-99A4-0515FCFC0FB3}" dt="2019-10-27T02:32:19.837" v="1342" actId="478"/>
+          <ac:spMkLst>
+            <pc:docMk/>
+            <pc:sldMk cId="3215211350" sldId="264"/>
+            <ac:spMk id="4" creationId="{EEE49527-C43F-B644-A157-C6B7D6A3E287}"/>
+          </ac:spMkLst>
+        </pc:spChg>
         <pc:spChg chg="add del">
           <ac:chgData name="Akash Levy" userId="0f662538-7453-45f3-952a-fc9f1a7c515e" providerId="ADAL" clId="{75016F44-512C-5341-99A4-0515FCFC0FB3}" dt="2019-10-26T04:34:48.337" v="544"/>
           <ac:spMkLst>
@@ -381,6 +389,22 @@
             <ac:spMk id="12" creationId="{6AA24DE7-C336-4994-8C52-D9B3F3D0FA4D}"/>
           </ac:spMkLst>
         </pc:spChg>
+        <pc:picChg chg="add mod">
+          <ac:chgData name="Akash Levy" userId="0f662538-7453-45f3-952a-fc9f1a7c515e" providerId="ADAL" clId="{75016F44-512C-5341-99A4-0515FCFC0FB3}" dt="2019-10-27T02:32:31.610" v="1345" actId="1036"/>
+          <ac:picMkLst>
+            <pc:docMk/>
+            <pc:sldMk cId="3215211350" sldId="264"/>
+            <ac:picMk id="6" creationId="{36DF5CDA-5596-E44F-9424-3C1CFD64292E}"/>
+          </ac:picMkLst>
+        </pc:picChg>
+        <pc:picChg chg="del">
+          <ac:chgData name="Akash Levy" userId="0f662538-7453-45f3-952a-fc9f1a7c515e" providerId="ADAL" clId="{75016F44-512C-5341-99A4-0515FCFC0FB3}" dt="2019-10-27T02:30:25.786" v="1282" actId="478"/>
+          <ac:picMkLst>
+            <pc:docMk/>
+            <pc:sldMk cId="3215211350" sldId="264"/>
+            <ac:picMk id="7" creationId="{D23DC611-A89A-F04C-A568-63380BF96AAF}"/>
+          </ac:picMkLst>
+        </pc:picChg>
       </pc:sldChg>
       <pc:sldChg chg="addSp delSp modSp add mod setBg setClrOvrMap delDesignElem">
         <pc:chgData name="Akash Levy" userId="0f662538-7453-45f3-952a-fc9f1a7c515e" providerId="ADAL" clId="{75016F44-512C-5341-99A4-0515FCFC0FB3}" dt="2019-10-26T07:46:48.557" v="1064" actId="20577"/>
@@ -573,6 +597,61 @@
             <pc:docMk/>
             <pc:sldMk cId="3428824198" sldId="267"/>
             <ac:picMk id="8" creationId="{F0244056-6F4A-004E-B621-98EC62D2D3A0}"/>
+          </ac:picMkLst>
+        </pc:picChg>
+      </pc:sldChg>
+      <pc:sldChg chg="addSp delSp modSp add del">
+        <pc:chgData name="Akash Levy" userId="0f662538-7453-45f3-952a-fc9f1a7c515e" providerId="ADAL" clId="{75016F44-512C-5341-99A4-0515FCFC0FB3}" dt="2019-10-27T02:31:57.491" v="1335"/>
+        <pc:sldMkLst>
+          <pc:docMk/>
+          <pc:sldMk cId="4041717701" sldId="268"/>
+        </pc:sldMkLst>
+        <pc:spChg chg="add del">
+          <ac:chgData name="Akash Levy" userId="0f662538-7453-45f3-952a-fc9f1a7c515e" providerId="ADAL" clId="{75016F44-512C-5341-99A4-0515FCFC0FB3}" dt="2019-10-27T02:31:57.356" v="1334"/>
+          <ac:spMkLst>
+            <pc:docMk/>
+            <pc:sldMk cId="4041717701" sldId="268"/>
+            <ac:spMk id="2" creationId="{E77297E2-0BC5-124C-A6F6-BEF264D3B6B9}"/>
+          </ac:spMkLst>
+        </pc:spChg>
+        <pc:spChg chg="add del">
+          <ac:chgData name="Akash Levy" userId="0f662538-7453-45f3-952a-fc9f1a7c515e" providerId="ADAL" clId="{75016F44-512C-5341-99A4-0515FCFC0FB3}" dt="2019-10-27T02:31:57.356" v="1334"/>
+          <ac:spMkLst>
+            <pc:docMk/>
+            <pc:sldMk cId="4041717701" sldId="268"/>
+            <ac:spMk id="3" creationId="{2B458CDA-3BD1-FA4A-8C4F-D91B652196C6}"/>
+          </ac:spMkLst>
+        </pc:spChg>
+        <pc:spChg chg="add del">
+          <ac:chgData name="Akash Levy" userId="0f662538-7453-45f3-952a-fc9f1a7c515e" providerId="ADAL" clId="{75016F44-512C-5341-99A4-0515FCFC0FB3}" dt="2019-10-27T02:31:57.356" v="1334"/>
+          <ac:spMkLst>
+            <pc:docMk/>
+            <pc:sldMk cId="4041717701" sldId="268"/>
+            <ac:spMk id="4" creationId="{5405F5AC-0DD5-1245-80B4-3E9FC1963918}"/>
+          </ac:spMkLst>
+        </pc:spChg>
+        <pc:spChg chg="add del mod">
+          <ac:chgData name="Akash Levy" userId="0f662538-7453-45f3-952a-fc9f1a7c515e" providerId="ADAL" clId="{75016F44-512C-5341-99A4-0515FCFC0FB3}" dt="2019-10-27T02:31:57.356" v="1334"/>
+          <ac:spMkLst>
+            <pc:docMk/>
+            <pc:sldMk cId="4041717701" sldId="268"/>
+            <ac:spMk id="5" creationId="{B5A05CFD-EDF1-174A-BD18-7FE42A25B3A3}"/>
+          </ac:spMkLst>
+        </pc:spChg>
+        <pc:spChg chg="add del mod">
+          <ac:chgData name="Akash Levy" userId="0f662538-7453-45f3-952a-fc9f1a7c515e" providerId="ADAL" clId="{75016F44-512C-5341-99A4-0515FCFC0FB3}" dt="2019-10-27T02:31:57.356" v="1334"/>
+          <ac:spMkLst>
+            <pc:docMk/>
+            <pc:sldMk cId="4041717701" sldId="268"/>
+            <ac:spMk id="6" creationId="{D0807756-9670-3043-9941-EC37C26B38BD}"/>
+          </ac:spMkLst>
+        </pc:spChg>
+        <pc:picChg chg="add del mod">
+          <ac:chgData name="Akash Levy" userId="0f662538-7453-45f3-952a-fc9f1a7c515e" providerId="ADAL" clId="{75016F44-512C-5341-99A4-0515FCFC0FB3}" dt="2019-10-27T02:31:55.839" v="1328" actId="931"/>
+          <ac:picMkLst>
+            <pc:docMk/>
+            <pc:sldMk cId="4041717701" sldId="268"/>
+            <ac:picMk id="8" creationId="{940E1D6B-16AD-3C43-895F-7E31E9F42BBA}"/>
           </ac:picMkLst>
         </pc:picChg>
       </pc:sldChg>
@@ -9147,19 +9226,17 @@
       </p:sp>
       <p:pic>
         <p:nvPicPr>
-          <p:cNvPr id="7" name="Content Placeholder 6">
+          <p:cNvPr id="6" name="Picture 5">
             <a:extLst>
               <a:ext uri="{FF2B5EF4-FFF2-40B4-BE49-F238E27FC236}">
-                <a16:creationId xmlns:a16="http://schemas.microsoft.com/office/drawing/2014/main" id="{D23DC611-A89A-F04C-A568-63380BF96AAF}"/>
+                <a16:creationId xmlns:a16="http://schemas.microsoft.com/office/drawing/2014/main" id="{36DF5CDA-5596-E44F-9424-3C1CFD64292E}"/>
               </a:ext>
             </a:extLst>
           </p:cNvPr>
           <p:cNvPicPr>
-            <a:picLocks noGrp="1" noChangeAspect="1"/>
+            <a:picLocks noChangeAspect="1"/>
           </p:cNvPicPr>
-          <p:nvPr>
-            <p:ph idx="1"/>
-          </p:nvPr>
+          <p:nvPr/>
         </p:nvPicPr>
         <p:blipFill>
           <a:blip r:embed="rId2"/>
@@ -9169,8 +9246,8 @@
         </p:blipFill>
         <p:spPr>
           <a:xfrm>
-            <a:off x="4252866" y="1596707"/>
-            <a:ext cx="6519676" cy="3977003"/>
+            <a:off x="4076918" y="985585"/>
+            <a:ext cx="6795058" cy="5199556"/>
           </a:xfrm>
           <a:prstGeom prst="rect">
             <a:avLst/>
